--- a/ppt 16-9/0369.开你心门.pptx
+++ b/ppt 16-9/0369.开你心门.pptx
@@ -129,7 +129,7 @@
           <p:cNvPr id="2" name="标题 1">
             <a:extLst>
               <a:ext uri="{FF2B5EF4-FFF2-40B4-BE49-F238E27FC236}">
-                <a16:creationId xmlns:a16="http://schemas.microsoft.com/office/drawing/2014/main" id="{5382EE20-D816-CB0E-97F6-0EA342A407B0}"/>
+                <a16:creationId xmlns:a16="http://schemas.microsoft.com/office/drawing/2014/main" id="{5950738E-B150-894B-2162-8722DA26912D}"/>
               </a:ext>
             </a:extLst>
           </p:cNvPr>
@@ -166,7 +166,7 @@
           <p:cNvPr id="3" name="副标题 2">
             <a:extLst>
               <a:ext uri="{FF2B5EF4-FFF2-40B4-BE49-F238E27FC236}">
-                <a16:creationId xmlns:a16="http://schemas.microsoft.com/office/drawing/2014/main" id="{4798302A-8755-B970-8CFD-048BAAD9AD34}"/>
+                <a16:creationId xmlns:a16="http://schemas.microsoft.com/office/drawing/2014/main" id="{67FFEB71-9C89-8ADE-64F2-DDAC4C97D9A3}"/>
               </a:ext>
             </a:extLst>
           </p:cNvPr>
@@ -236,7 +236,7 @@
           <p:cNvPr id="4" name="日期占位符 3">
             <a:extLst>
               <a:ext uri="{FF2B5EF4-FFF2-40B4-BE49-F238E27FC236}">
-                <a16:creationId xmlns:a16="http://schemas.microsoft.com/office/drawing/2014/main" id="{C257F4DC-1656-335F-B5C3-A768FB552B13}"/>
+                <a16:creationId xmlns:a16="http://schemas.microsoft.com/office/drawing/2014/main" id="{0DF8115A-10EE-C2CA-EA1B-709138820D32}"/>
               </a:ext>
             </a:extLst>
           </p:cNvPr>
@@ -252,7 +252,7 @@
           <a:bodyPr/>
           <a:lstStyle/>
           <a:p>
-            <a:fld id="{8AA53EC5-81C9-4BD0-8B04-598F28E566D7}" type="datetimeFigureOut">
+            <a:fld id="{DD9B32C3-A50E-49FF-B0C9-F8EE1E77980F}" type="datetimeFigureOut">
               <a:rPr lang="zh-CN" altLang="en-US" smtClean="0"/>
               <a:t>2024/3/10</a:t>
             </a:fld>
@@ -265,7 +265,7 @@
           <p:cNvPr id="5" name="页脚占位符 4">
             <a:extLst>
               <a:ext uri="{FF2B5EF4-FFF2-40B4-BE49-F238E27FC236}">
-                <a16:creationId xmlns:a16="http://schemas.microsoft.com/office/drawing/2014/main" id="{F6695F2F-1442-2122-B829-3D4CC80304E5}"/>
+                <a16:creationId xmlns:a16="http://schemas.microsoft.com/office/drawing/2014/main" id="{2E54B42B-4401-FEAD-D91C-10AFEF2F2351}"/>
               </a:ext>
             </a:extLst>
           </p:cNvPr>
@@ -290,7 +290,7 @@
           <p:cNvPr id="6" name="灯片编号占位符 5">
             <a:extLst>
               <a:ext uri="{FF2B5EF4-FFF2-40B4-BE49-F238E27FC236}">
-                <a16:creationId xmlns:a16="http://schemas.microsoft.com/office/drawing/2014/main" id="{59DB6485-23E3-B7CA-B873-3BB95466F65C}"/>
+                <a16:creationId xmlns:a16="http://schemas.microsoft.com/office/drawing/2014/main" id="{1D5175F1-819E-FC16-E51F-9A82D476595C}"/>
               </a:ext>
             </a:extLst>
           </p:cNvPr>
@@ -306,7 +306,7 @@
           <a:bodyPr/>
           <a:lstStyle/>
           <a:p>
-            <a:fld id="{1D083772-0FC7-45EB-B21B-78552C5EBA80}" type="slidenum">
+            <a:fld id="{7D140926-AB63-47BC-AD8F-034A90F25E42}" type="slidenum">
               <a:rPr lang="zh-CN" altLang="en-US" smtClean="0"/>
               <a:t>‹#›</a:t>
             </a:fld>
@@ -317,7 +317,7 @@
     </p:spTree>
     <p:extLst>
       <p:ext uri="{BB962C8B-B14F-4D97-AF65-F5344CB8AC3E}">
-        <p14:creationId xmlns:p14="http://schemas.microsoft.com/office/powerpoint/2010/main" val="1465319431"/>
+        <p14:creationId xmlns:p14="http://schemas.microsoft.com/office/powerpoint/2010/main" val="244393631"/>
       </p:ext>
     </p:extLst>
   </p:cSld>
@@ -349,7 +349,7 @@
           <p:cNvPr id="2" name="标题 1">
             <a:extLst>
               <a:ext uri="{FF2B5EF4-FFF2-40B4-BE49-F238E27FC236}">
-                <a16:creationId xmlns:a16="http://schemas.microsoft.com/office/drawing/2014/main" id="{8A71B3B1-62AD-2D42-8A4A-FEAEB389281A}"/>
+                <a16:creationId xmlns:a16="http://schemas.microsoft.com/office/drawing/2014/main" id="{67D14475-A4DB-15D9-293B-2D07316071EB}"/>
               </a:ext>
             </a:extLst>
           </p:cNvPr>
@@ -377,7 +377,7 @@
           <p:cNvPr id="3" name="竖排文字占位符 2">
             <a:extLst>
               <a:ext uri="{FF2B5EF4-FFF2-40B4-BE49-F238E27FC236}">
-                <a16:creationId xmlns:a16="http://schemas.microsoft.com/office/drawing/2014/main" id="{11E0FD6D-F7AB-7016-75C2-69891B96C7C6}"/>
+                <a16:creationId xmlns:a16="http://schemas.microsoft.com/office/drawing/2014/main" id="{8981D021-EEED-DE27-718B-4D35CC2EF212}"/>
               </a:ext>
             </a:extLst>
           </p:cNvPr>
@@ -434,7 +434,7 @@
           <p:cNvPr id="4" name="日期占位符 3">
             <a:extLst>
               <a:ext uri="{FF2B5EF4-FFF2-40B4-BE49-F238E27FC236}">
-                <a16:creationId xmlns:a16="http://schemas.microsoft.com/office/drawing/2014/main" id="{C75A3029-52A7-2535-8FA3-4796DED2671B}"/>
+                <a16:creationId xmlns:a16="http://schemas.microsoft.com/office/drawing/2014/main" id="{E660CB6C-11F7-B0DA-11D1-28573EB05660}"/>
               </a:ext>
             </a:extLst>
           </p:cNvPr>
@@ -450,7 +450,7 @@
           <a:bodyPr/>
           <a:lstStyle/>
           <a:p>
-            <a:fld id="{8AA53EC5-81C9-4BD0-8B04-598F28E566D7}" type="datetimeFigureOut">
+            <a:fld id="{DD9B32C3-A50E-49FF-B0C9-F8EE1E77980F}" type="datetimeFigureOut">
               <a:rPr lang="zh-CN" altLang="en-US" smtClean="0"/>
               <a:t>2024/3/10</a:t>
             </a:fld>
@@ -463,7 +463,7 @@
           <p:cNvPr id="5" name="页脚占位符 4">
             <a:extLst>
               <a:ext uri="{FF2B5EF4-FFF2-40B4-BE49-F238E27FC236}">
-                <a16:creationId xmlns:a16="http://schemas.microsoft.com/office/drawing/2014/main" id="{313F06B2-E28E-27F3-D5E2-0921778B89A7}"/>
+                <a16:creationId xmlns:a16="http://schemas.microsoft.com/office/drawing/2014/main" id="{2FE966F0-B500-F364-1A65-FF1FE77CBA55}"/>
               </a:ext>
             </a:extLst>
           </p:cNvPr>
@@ -488,7 +488,7 @@
           <p:cNvPr id="6" name="灯片编号占位符 5">
             <a:extLst>
               <a:ext uri="{FF2B5EF4-FFF2-40B4-BE49-F238E27FC236}">
-                <a16:creationId xmlns:a16="http://schemas.microsoft.com/office/drawing/2014/main" id="{1297D7D6-3C68-AE56-0795-4B58D1711067}"/>
+                <a16:creationId xmlns:a16="http://schemas.microsoft.com/office/drawing/2014/main" id="{9A3B9EEE-60A1-D4DD-0F60-843040A4CD6E}"/>
               </a:ext>
             </a:extLst>
           </p:cNvPr>
@@ -504,7 +504,7 @@
           <a:bodyPr/>
           <a:lstStyle/>
           <a:p>
-            <a:fld id="{1D083772-0FC7-45EB-B21B-78552C5EBA80}" type="slidenum">
+            <a:fld id="{7D140926-AB63-47BC-AD8F-034A90F25E42}" type="slidenum">
               <a:rPr lang="zh-CN" altLang="en-US" smtClean="0"/>
               <a:t>‹#›</a:t>
             </a:fld>
@@ -515,7 +515,7 @@
     </p:spTree>
     <p:extLst>
       <p:ext uri="{BB962C8B-B14F-4D97-AF65-F5344CB8AC3E}">
-        <p14:creationId xmlns:p14="http://schemas.microsoft.com/office/powerpoint/2010/main" val="2217214931"/>
+        <p14:creationId xmlns:p14="http://schemas.microsoft.com/office/powerpoint/2010/main" val="3220712879"/>
       </p:ext>
     </p:extLst>
   </p:cSld>
@@ -547,7 +547,7 @@
           <p:cNvPr id="2" name="竖排标题 1">
             <a:extLst>
               <a:ext uri="{FF2B5EF4-FFF2-40B4-BE49-F238E27FC236}">
-                <a16:creationId xmlns:a16="http://schemas.microsoft.com/office/drawing/2014/main" id="{50E84DFA-72FD-2D33-7284-A434752067A3}"/>
+                <a16:creationId xmlns:a16="http://schemas.microsoft.com/office/drawing/2014/main" id="{36466E9B-F681-3792-9CDF-162B99BE5BE5}"/>
               </a:ext>
             </a:extLst>
           </p:cNvPr>
@@ -580,7 +580,7 @@
           <p:cNvPr id="3" name="竖排文字占位符 2">
             <a:extLst>
               <a:ext uri="{FF2B5EF4-FFF2-40B4-BE49-F238E27FC236}">
-                <a16:creationId xmlns:a16="http://schemas.microsoft.com/office/drawing/2014/main" id="{12074A76-560D-4836-B385-E1C2EC7C9424}"/>
+                <a16:creationId xmlns:a16="http://schemas.microsoft.com/office/drawing/2014/main" id="{E6657C0A-781B-3EFB-5105-DFDC42C9F05C}"/>
               </a:ext>
             </a:extLst>
           </p:cNvPr>
@@ -642,7 +642,7 @@
           <p:cNvPr id="4" name="日期占位符 3">
             <a:extLst>
               <a:ext uri="{FF2B5EF4-FFF2-40B4-BE49-F238E27FC236}">
-                <a16:creationId xmlns:a16="http://schemas.microsoft.com/office/drawing/2014/main" id="{C8428D21-3E15-0231-D966-451FEE6ED602}"/>
+                <a16:creationId xmlns:a16="http://schemas.microsoft.com/office/drawing/2014/main" id="{EE31E791-5ADE-540C-973E-95FF52009A26}"/>
               </a:ext>
             </a:extLst>
           </p:cNvPr>
@@ -658,7 +658,7 @@
           <a:bodyPr/>
           <a:lstStyle/>
           <a:p>
-            <a:fld id="{8AA53EC5-81C9-4BD0-8B04-598F28E566D7}" type="datetimeFigureOut">
+            <a:fld id="{DD9B32C3-A50E-49FF-B0C9-F8EE1E77980F}" type="datetimeFigureOut">
               <a:rPr lang="zh-CN" altLang="en-US" smtClean="0"/>
               <a:t>2024/3/10</a:t>
             </a:fld>
@@ -671,7 +671,7 @@
           <p:cNvPr id="5" name="页脚占位符 4">
             <a:extLst>
               <a:ext uri="{FF2B5EF4-FFF2-40B4-BE49-F238E27FC236}">
-                <a16:creationId xmlns:a16="http://schemas.microsoft.com/office/drawing/2014/main" id="{1BAF58E4-CBA9-FF2E-CE34-57220C7587ED}"/>
+                <a16:creationId xmlns:a16="http://schemas.microsoft.com/office/drawing/2014/main" id="{AF357DF5-091F-7EE7-D826-9BCAA58D2478}"/>
               </a:ext>
             </a:extLst>
           </p:cNvPr>
@@ -696,7 +696,7 @@
           <p:cNvPr id="6" name="灯片编号占位符 5">
             <a:extLst>
               <a:ext uri="{FF2B5EF4-FFF2-40B4-BE49-F238E27FC236}">
-                <a16:creationId xmlns:a16="http://schemas.microsoft.com/office/drawing/2014/main" id="{CFF935F5-D79C-C4D7-884A-B6E2452143CB}"/>
+                <a16:creationId xmlns:a16="http://schemas.microsoft.com/office/drawing/2014/main" id="{457F3136-3399-3A75-8BF3-98E143637AB9}"/>
               </a:ext>
             </a:extLst>
           </p:cNvPr>
@@ -712,7 +712,7 @@
           <a:bodyPr/>
           <a:lstStyle/>
           <a:p>
-            <a:fld id="{1D083772-0FC7-45EB-B21B-78552C5EBA80}" type="slidenum">
+            <a:fld id="{7D140926-AB63-47BC-AD8F-034A90F25E42}" type="slidenum">
               <a:rPr lang="zh-CN" altLang="en-US" smtClean="0"/>
               <a:t>‹#›</a:t>
             </a:fld>
@@ -723,7 +723,7 @@
     </p:spTree>
     <p:extLst>
       <p:ext uri="{BB962C8B-B14F-4D97-AF65-F5344CB8AC3E}">
-        <p14:creationId xmlns:p14="http://schemas.microsoft.com/office/powerpoint/2010/main" val="1718781088"/>
+        <p14:creationId xmlns:p14="http://schemas.microsoft.com/office/powerpoint/2010/main" val="3527596105"/>
       </p:ext>
     </p:extLst>
   </p:cSld>
@@ -755,7 +755,7 @@
           <p:cNvPr id="2" name="标题 1">
             <a:extLst>
               <a:ext uri="{FF2B5EF4-FFF2-40B4-BE49-F238E27FC236}">
-                <a16:creationId xmlns:a16="http://schemas.microsoft.com/office/drawing/2014/main" id="{C9907632-93A7-1707-A8A1-EFAE22541A4C}"/>
+                <a16:creationId xmlns:a16="http://schemas.microsoft.com/office/drawing/2014/main" id="{2427B43E-1274-A927-6505-D240EA2FEAEA}"/>
               </a:ext>
             </a:extLst>
           </p:cNvPr>
@@ -783,7 +783,7 @@
           <p:cNvPr id="3" name="内容占位符 2">
             <a:extLst>
               <a:ext uri="{FF2B5EF4-FFF2-40B4-BE49-F238E27FC236}">
-                <a16:creationId xmlns:a16="http://schemas.microsoft.com/office/drawing/2014/main" id="{DF43F413-B7BC-837A-EA5E-38BA440FCC50}"/>
+                <a16:creationId xmlns:a16="http://schemas.microsoft.com/office/drawing/2014/main" id="{1731270B-71DD-4E4A-B174-0A7947B90BD5}"/>
               </a:ext>
             </a:extLst>
           </p:cNvPr>
@@ -840,7 +840,7 @@
           <p:cNvPr id="4" name="日期占位符 3">
             <a:extLst>
               <a:ext uri="{FF2B5EF4-FFF2-40B4-BE49-F238E27FC236}">
-                <a16:creationId xmlns:a16="http://schemas.microsoft.com/office/drawing/2014/main" id="{8C1F66B2-B3CF-F28F-7E98-2AC04AB5AE37}"/>
+                <a16:creationId xmlns:a16="http://schemas.microsoft.com/office/drawing/2014/main" id="{1DF20188-4730-E9EB-B8ED-208F2B0034C9}"/>
               </a:ext>
             </a:extLst>
           </p:cNvPr>
@@ -856,7 +856,7 @@
           <a:bodyPr/>
           <a:lstStyle/>
           <a:p>
-            <a:fld id="{8AA53EC5-81C9-4BD0-8B04-598F28E566D7}" type="datetimeFigureOut">
+            <a:fld id="{DD9B32C3-A50E-49FF-B0C9-F8EE1E77980F}" type="datetimeFigureOut">
               <a:rPr lang="zh-CN" altLang="en-US" smtClean="0"/>
               <a:t>2024/3/10</a:t>
             </a:fld>
@@ -869,7 +869,7 @@
           <p:cNvPr id="5" name="页脚占位符 4">
             <a:extLst>
               <a:ext uri="{FF2B5EF4-FFF2-40B4-BE49-F238E27FC236}">
-                <a16:creationId xmlns:a16="http://schemas.microsoft.com/office/drawing/2014/main" id="{0EEF031E-6A52-D3ED-66A2-D1B06C547A9F}"/>
+                <a16:creationId xmlns:a16="http://schemas.microsoft.com/office/drawing/2014/main" id="{73632B90-373B-09E4-14EF-A81083C8E97C}"/>
               </a:ext>
             </a:extLst>
           </p:cNvPr>
@@ -894,7 +894,7 @@
           <p:cNvPr id="6" name="灯片编号占位符 5">
             <a:extLst>
               <a:ext uri="{FF2B5EF4-FFF2-40B4-BE49-F238E27FC236}">
-                <a16:creationId xmlns:a16="http://schemas.microsoft.com/office/drawing/2014/main" id="{F7D09E7F-5833-6827-D515-51C2EF69BEFC}"/>
+                <a16:creationId xmlns:a16="http://schemas.microsoft.com/office/drawing/2014/main" id="{4E734F10-E9EB-21A7-3369-27CBA76D771F}"/>
               </a:ext>
             </a:extLst>
           </p:cNvPr>
@@ -910,7 +910,7 @@
           <a:bodyPr/>
           <a:lstStyle/>
           <a:p>
-            <a:fld id="{1D083772-0FC7-45EB-B21B-78552C5EBA80}" type="slidenum">
+            <a:fld id="{7D140926-AB63-47BC-AD8F-034A90F25E42}" type="slidenum">
               <a:rPr lang="zh-CN" altLang="en-US" smtClean="0"/>
               <a:t>‹#›</a:t>
             </a:fld>
@@ -921,7 +921,7 @@
     </p:spTree>
     <p:extLst>
       <p:ext uri="{BB962C8B-B14F-4D97-AF65-F5344CB8AC3E}">
-        <p14:creationId xmlns:p14="http://schemas.microsoft.com/office/powerpoint/2010/main" val="65204207"/>
+        <p14:creationId xmlns:p14="http://schemas.microsoft.com/office/powerpoint/2010/main" val="341330043"/>
       </p:ext>
     </p:extLst>
   </p:cSld>
@@ -953,7 +953,7 @@
           <p:cNvPr id="2" name="标题 1">
             <a:extLst>
               <a:ext uri="{FF2B5EF4-FFF2-40B4-BE49-F238E27FC236}">
-                <a16:creationId xmlns:a16="http://schemas.microsoft.com/office/drawing/2014/main" id="{F63331AB-2C4F-D0E0-654F-50679F261558}"/>
+                <a16:creationId xmlns:a16="http://schemas.microsoft.com/office/drawing/2014/main" id="{D4074470-7BEA-7849-C0F0-E183143B9797}"/>
               </a:ext>
             </a:extLst>
           </p:cNvPr>
@@ -990,7 +990,7 @@
           <p:cNvPr id="3" name="文本占位符 2">
             <a:extLst>
               <a:ext uri="{FF2B5EF4-FFF2-40B4-BE49-F238E27FC236}">
-                <a16:creationId xmlns:a16="http://schemas.microsoft.com/office/drawing/2014/main" id="{AA34C200-8BB4-B174-2C86-327D0F7EF814}"/>
+                <a16:creationId xmlns:a16="http://schemas.microsoft.com/office/drawing/2014/main" id="{3D79651A-E0DC-0F7A-0819-B7E0016BFBD4}"/>
               </a:ext>
             </a:extLst>
           </p:cNvPr>
@@ -1115,7 +1115,7 @@
           <p:cNvPr id="4" name="日期占位符 3">
             <a:extLst>
               <a:ext uri="{FF2B5EF4-FFF2-40B4-BE49-F238E27FC236}">
-                <a16:creationId xmlns:a16="http://schemas.microsoft.com/office/drawing/2014/main" id="{A4334B80-DD8D-B4A2-A9D7-0B2DAC87834D}"/>
+                <a16:creationId xmlns:a16="http://schemas.microsoft.com/office/drawing/2014/main" id="{0D08E3D1-1AB0-30D7-E742-EE348AD63647}"/>
               </a:ext>
             </a:extLst>
           </p:cNvPr>
@@ -1131,7 +1131,7 @@
           <a:bodyPr/>
           <a:lstStyle/>
           <a:p>
-            <a:fld id="{8AA53EC5-81C9-4BD0-8B04-598F28E566D7}" type="datetimeFigureOut">
+            <a:fld id="{DD9B32C3-A50E-49FF-B0C9-F8EE1E77980F}" type="datetimeFigureOut">
               <a:rPr lang="zh-CN" altLang="en-US" smtClean="0"/>
               <a:t>2024/3/10</a:t>
             </a:fld>
@@ -1144,7 +1144,7 @@
           <p:cNvPr id="5" name="页脚占位符 4">
             <a:extLst>
               <a:ext uri="{FF2B5EF4-FFF2-40B4-BE49-F238E27FC236}">
-                <a16:creationId xmlns:a16="http://schemas.microsoft.com/office/drawing/2014/main" id="{2330B08C-CED5-8A37-9DEE-F8EE1815DD45}"/>
+                <a16:creationId xmlns:a16="http://schemas.microsoft.com/office/drawing/2014/main" id="{CCAE16A4-B002-0B55-6F5B-F579F1690277}"/>
               </a:ext>
             </a:extLst>
           </p:cNvPr>
@@ -1169,7 +1169,7 @@
           <p:cNvPr id="6" name="灯片编号占位符 5">
             <a:extLst>
               <a:ext uri="{FF2B5EF4-FFF2-40B4-BE49-F238E27FC236}">
-                <a16:creationId xmlns:a16="http://schemas.microsoft.com/office/drawing/2014/main" id="{E4B60F8D-58FE-6FCE-E4EE-42D95847A3EA}"/>
+                <a16:creationId xmlns:a16="http://schemas.microsoft.com/office/drawing/2014/main" id="{A0D77D8B-EF7E-0EEE-016C-72DE9788CB2A}"/>
               </a:ext>
             </a:extLst>
           </p:cNvPr>
@@ -1185,7 +1185,7 @@
           <a:bodyPr/>
           <a:lstStyle/>
           <a:p>
-            <a:fld id="{1D083772-0FC7-45EB-B21B-78552C5EBA80}" type="slidenum">
+            <a:fld id="{7D140926-AB63-47BC-AD8F-034A90F25E42}" type="slidenum">
               <a:rPr lang="zh-CN" altLang="en-US" smtClean="0"/>
               <a:t>‹#›</a:t>
             </a:fld>
@@ -1196,7 +1196,7 @@
     </p:spTree>
     <p:extLst>
       <p:ext uri="{BB962C8B-B14F-4D97-AF65-F5344CB8AC3E}">
-        <p14:creationId xmlns:p14="http://schemas.microsoft.com/office/powerpoint/2010/main" val="2228560695"/>
+        <p14:creationId xmlns:p14="http://schemas.microsoft.com/office/powerpoint/2010/main" val="3530678225"/>
       </p:ext>
     </p:extLst>
   </p:cSld>
@@ -1228,7 +1228,7 @@
           <p:cNvPr id="2" name="标题 1">
             <a:extLst>
               <a:ext uri="{FF2B5EF4-FFF2-40B4-BE49-F238E27FC236}">
-                <a16:creationId xmlns:a16="http://schemas.microsoft.com/office/drawing/2014/main" id="{4F759A03-79BB-5B76-5826-25335926AF4D}"/>
+                <a16:creationId xmlns:a16="http://schemas.microsoft.com/office/drawing/2014/main" id="{EF7EBC20-B81E-45A4-B852-3A3737578C6A}"/>
               </a:ext>
             </a:extLst>
           </p:cNvPr>
@@ -1256,7 +1256,7 @@
           <p:cNvPr id="3" name="内容占位符 2">
             <a:extLst>
               <a:ext uri="{FF2B5EF4-FFF2-40B4-BE49-F238E27FC236}">
-                <a16:creationId xmlns:a16="http://schemas.microsoft.com/office/drawing/2014/main" id="{C5CF0F44-D0E0-0D8A-96C1-0F9D0DB11CB1}"/>
+                <a16:creationId xmlns:a16="http://schemas.microsoft.com/office/drawing/2014/main" id="{20E9F4D6-6EF9-240A-16B7-C44016C8290D}"/>
               </a:ext>
             </a:extLst>
           </p:cNvPr>
@@ -1318,7 +1318,7 @@
           <p:cNvPr id="4" name="内容占位符 3">
             <a:extLst>
               <a:ext uri="{FF2B5EF4-FFF2-40B4-BE49-F238E27FC236}">
-                <a16:creationId xmlns:a16="http://schemas.microsoft.com/office/drawing/2014/main" id="{9CFF6B80-7489-6325-AE66-82D4FECA0678}"/>
+                <a16:creationId xmlns:a16="http://schemas.microsoft.com/office/drawing/2014/main" id="{036E6238-B662-BCEB-9ED2-79306566CC11}"/>
               </a:ext>
             </a:extLst>
           </p:cNvPr>
@@ -1380,7 +1380,7 @@
           <p:cNvPr id="5" name="日期占位符 4">
             <a:extLst>
               <a:ext uri="{FF2B5EF4-FFF2-40B4-BE49-F238E27FC236}">
-                <a16:creationId xmlns:a16="http://schemas.microsoft.com/office/drawing/2014/main" id="{C42BB227-DFA5-6A63-3C3B-B96EB25E8483}"/>
+                <a16:creationId xmlns:a16="http://schemas.microsoft.com/office/drawing/2014/main" id="{A76FEE48-7A84-3D2B-AE14-C21E07F2A37E}"/>
               </a:ext>
             </a:extLst>
           </p:cNvPr>
@@ -1396,7 +1396,7 @@
           <a:bodyPr/>
           <a:lstStyle/>
           <a:p>
-            <a:fld id="{8AA53EC5-81C9-4BD0-8B04-598F28E566D7}" type="datetimeFigureOut">
+            <a:fld id="{DD9B32C3-A50E-49FF-B0C9-F8EE1E77980F}" type="datetimeFigureOut">
               <a:rPr lang="zh-CN" altLang="en-US" smtClean="0"/>
               <a:t>2024/3/10</a:t>
             </a:fld>
@@ -1409,7 +1409,7 @@
           <p:cNvPr id="6" name="页脚占位符 5">
             <a:extLst>
               <a:ext uri="{FF2B5EF4-FFF2-40B4-BE49-F238E27FC236}">
-                <a16:creationId xmlns:a16="http://schemas.microsoft.com/office/drawing/2014/main" id="{F620D15F-A226-CDF4-3A37-F8B41CD6CBB2}"/>
+                <a16:creationId xmlns:a16="http://schemas.microsoft.com/office/drawing/2014/main" id="{490D99C3-C997-A0D9-9E79-8C2353558678}"/>
               </a:ext>
             </a:extLst>
           </p:cNvPr>
@@ -1434,7 +1434,7 @@
           <p:cNvPr id="7" name="灯片编号占位符 6">
             <a:extLst>
               <a:ext uri="{FF2B5EF4-FFF2-40B4-BE49-F238E27FC236}">
-                <a16:creationId xmlns:a16="http://schemas.microsoft.com/office/drawing/2014/main" id="{46B4DC72-B5BA-40B5-8B4B-23278124B938}"/>
+                <a16:creationId xmlns:a16="http://schemas.microsoft.com/office/drawing/2014/main" id="{0ECDF9C6-DBBB-BBCE-1D76-BDEAC52A1E3E}"/>
               </a:ext>
             </a:extLst>
           </p:cNvPr>
@@ -1450,7 +1450,7 @@
           <a:bodyPr/>
           <a:lstStyle/>
           <a:p>
-            <a:fld id="{1D083772-0FC7-45EB-B21B-78552C5EBA80}" type="slidenum">
+            <a:fld id="{7D140926-AB63-47BC-AD8F-034A90F25E42}" type="slidenum">
               <a:rPr lang="zh-CN" altLang="en-US" smtClean="0"/>
               <a:t>‹#›</a:t>
             </a:fld>
@@ -1461,7 +1461,7 @@
     </p:spTree>
     <p:extLst>
       <p:ext uri="{BB962C8B-B14F-4D97-AF65-F5344CB8AC3E}">
-        <p14:creationId xmlns:p14="http://schemas.microsoft.com/office/powerpoint/2010/main" val="877029313"/>
+        <p14:creationId xmlns:p14="http://schemas.microsoft.com/office/powerpoint/2010/main" val="548387310"/>
       </p:ext>
     </p:extLst>
   </p:cSld>
@@ -1493,7 +1493,7 @@
           <p:cNvPr id="2" name="标题 1">
             <a:extLst>
               <a:ext uri="{FF2B5EF4-FFF2-40B4-BE49-F238E27FC236}">
-                <a16:creationId xmlns:a16="http://schemas.microsoft.com/office/drawing/2014/main" id="{19D2E826-A2E1-6F15-B2B6-C266137BD560}"/>
+                <a16:creationId xmlns:a16="http://schemas.microsoft.com/office/drawing/2014/main" id="{DB9CB5B4-ADC7-CAB9-E11F-043B8BF7C66F}"/>
               </a:ext>
             </a:extLst>
           </p:cNvPr>
@@ -1526,7 +1526,7 @@
           <p:cNvPr id="3" name="文本占位符 2">
             <a:extLst>
               <a:ext uri="{FF2B5EF4-FFF2-40B4-BE49-F238E27FC236}">
-                <a16:creationId xmlns:a16="http://schemas.microsoft.com/office/drawing/2014/main" id="{A428BC01-9652-F487-77CA-03BC1153704E}"/>
+                <a16:creationId xmlns:a16="http://schemas.microsoft.com/office/drawing/2014/main" id="{2C87306B-50A8-6605-3179-98152BED2253}"/>
               </a:ext>
             </a:extLst>
           </p:cNvPr>
@@ -1597,7 +1597,7 @@
           <p:cNvPr id="4" name="内容占位符 3">
             <a:extLst>
               <a:ext uri="{FF2B5EF4-FFF2-40B4-BE49-F238E27FC236}">
-                <a16:creationId xmlns:a16="http://schemas.microsoft.com/office/drawing/2014/main" id="{0ED1A835-2231-DA94-34BE-F24DCA693B8F}"/>
+                <a16:creationId xmlns:a16="http://schemas.microsoft.com/office/drawing/2014/main" id="{529E656C-0802-CC54-69F4-CC8922D8244C}"/>
               </a:ext>
             </a:extLst>
           </p:cNvPr>
@@ -1659,7 +1659,7 @@
           <p:cNvPr id="5" name="文本占位符 4">
             <a:extLst>
               <a:ext uri="{FF2B5EF4-FFF2-40B4-BE49-F238E27FC236}">
-                <a16:creationId xmlns:a16="http://schemas.microsoft.com/office/drawing/2014/main" id="{7A007E5E-7D1B-DF3E-E38E-E0D417373A15}"/>
+                <a16:creationId xmlns:a16="http://schemas.microsoft.com/office/drawing/2014/main" id="{908F357F-686A-9666-DE55-79882E725546}"/>
               </a:ext>
             </a:extLst>
           </p:cNvPr>
@@ -1730,7 +1730,7 @@
           <p:cNvPr id="6" name="内容占位符 5">
             <a:extLst>
               <a:ext uri="{FF2B5EF4-FFF2-40B4-BE49-F238E27FC236}">
-                <a16:creationId xmlns:a16="http://schemas.microsoft.com/office/drawing/2014/main" id="{4F06E3DE-6B21-63FB-A29F-3E79CACF9103}"/>
+                <a16:creationId xmlns:a16="http://schemas.microsoft.com/office/drawing/2014/main" id="{E8C9541A-8DC1-7E14-057C-1760DDF904DF}"/>
               </a:ext>
             </a:extLst>
           </p:cNvPr>
@@ -1792,7 +1792,7 @@
           <p:cNvPr id="7" name="日期占位符 6">
             <a:extLst>
               <a:ext uri="{FF2B5EF4-FFF2-40B4-BE49-F238E27FC236}">
-                <a16:creationId xmlns:a16="http://schemas.microsoft.com/office/drawing/2014/main" id="{2D8CB552-97AD-1853-EC43-F741DA17EBDA}"/>
+                <a16:creationId xmlns:a16="http://schemas.microsoft.com/office/drawing/2014/main" id="{B8A7B7F0-3BD7-9563-F9E7-C4AA503C61A5}"/>
               </a:ext>
             </a:extLst>
           </p:cNvPr>
@@ -1808,7 +1808,7 @@
           <a:bodyPr/>
           <a:lstStyle/>
           <a:p>
-            <a:fld id="{8AA53EC5-81C9-4BD0-8B04-598F28E566D7}" type="datetimeFigureOut">
+            <a:fld id="{DD9B32C3-A50E-49FF-B0C9-F8EE1E77980F}" type="datetimeFigureOut">
               <a:rPr lang="zh-CN" altLang="en-US" smtClean="0"/>
               <a:t>2024/3/10</a:t>
             </a:fld>
@@ -1821,7 +1821,7 @@
           <p:cNvPr id="8" name="页脚占位符 7">
             <a:extLst>
               <a:ext uri="{FF2B5EF4-FFF2-40B4-BE49-F238E27FC236}">
-                <a16:creationId xmlns:a16="http://schemas.microsoft.com/office/drawing/2014/main" id="{4ADAA8A8-C92F-8FD4-C68F-3E5D7BB4F242}"/>
+                <a16:creationId xmlns:a16="http://schemas.microsoft.com/office/drawing/2014/main" id="{DE2C8A16-0B2B-8460-6335-BE05C67E4783}"/>
               </a:ext>
             </a:extLst>
           </p:cNvPr>
@@ -1846,7 +1846,7 @@
           <p:cNvPr id="9" name="灯片编号占位符 8">
             <a:extLst>
               <a:ext uri="{FF2B5EF4-FFF2-40B4-BE49-F238E27FC236}">
-                <a16:creationId xmlns:a16="http://schemas.microsoft.com/office/drawing/2014/main" id="{A5207842-EFAA-8656-867F-FEAC52898170}"/>
+                <a16:creationId xmlns:a16="http://schemas.microsoft.com/office/drawing/2014/main" id="{C046BAE1-6CF1-16A1-02AE-A19B2F443B29}"/>
               </a:ext>
             </a:extLst>
           </p:cNvPr>
@@ -1862,7 +1862,7 @@
           <a:bodyPr/>
           <a:lstStyle/>
           <a:p>
-            <a:fld id="{1D083772-0FC7-45EB-B21B-78552C5EBA80}" type="slidenum">
+            <a:fld id="{7D140926-AB63-47BC-AD8F-034A90F25E42}" type="slidenum">
               <a:rPr lang="zh-CN" altLang="en-US" smtClean="0"/>
               <a:t>‹#›</a:t>
             </a:fld>
@@ -1873,7 +1873,7 @@
     </p:spTree>
     <p:extLst>
       <p:ext uri="{BB962C8B-B14F-4D97-AF65-F5344CB8AC3E}">
-        <p14:creationId xmlns:p14="http://schemas.microsoft.com/office/powerpoint/2010/main" val="620380344"/>
+        <p14:creationId xmlns:p14="http://schemas.microsoft.com/office/powerpoint/2010/main" val="2356576239"/>
       </p:ext>
     </p:extLst>
   </p:cSld>
@@ -1905,7 +1905,7 @@
           <p:cNvPr id="2" name="标题 1">
             <a:extLst>
               <a:ext uri="{FF2B5EF4-FFF2-40B4-BE49-F238E27FC236}">
-                <a16:creationId xmlns:a16="http://schemas.microsoft.com/office/drawing/2014/main" id="{1AED3D5D-7673-7B35-F8E9-E048444FC67E}"/>
+                <a16:creationId xmlns:a16="http://schemas.microsoft.com/office/drawing/2014/main" id="{4F861CC8-F8F3-FE0F-5943-742F48F46026}"/>
               </a:ext>
             </a:extLst>
           </p:cNvPr>
@@ -1933,7 +1933,7 @@
           <p:cNvPr id="3" name="日期占位符 2">
             <a:extLst>
               <a:ext uri="{FF2B5EF4-FFF2-40B4-BE49-F238E27FC236}">
-                <a16:creationId xmlns:a16="http://schemas.microsoft.com/office/drawing/2014/main" id="{08874AF1-F497-DB0B-9759-CF4C3D5AEF9A}"/>
+                <a16:creationId xmlns:a16="http://schemas.microsoft.com/office/drawing/2014/main" id="{097BFD81-D004-745E-EFB4-34C67D2D331A}"/>
               </a:ext>
             </a:extLst>
           </p:cNvPr>
@@ -1949,7 +1949,7 @@
           <a:bodyPr/>
           <a:lstStyle/>
           <a:p>
-            <a:fld id="{8AA53EC5-81C9-4BD0-8B04-598F28E566D7}" type="datetimeFigureOut">
+            <a:fld id="{DD9B32C3-A50E-49FF-B0C9-F8EE1E77980F}" type="datetimeFigureOut">
               <a:rPr lang="zh-CN" altLang="en-US" smtClean="0"/>
               <a:t>2024/3/10</a:t>
             </a:fld>
@@ -1962,7 +1962,7 @@
           <p:cNvPr id="4" name="页脚占位符 3">
             <a:extLst>
               <a:ext uri="{FF2B5EF4-FFF2-40B4-BE49-F238E27FC236}">
-                <a16:creationId xmlns:a16="http://schemas.microsoft.com/office/drawing/2014/main" id="{C9FEEB81-7DF9-87DE-6790-1EE7F4CB0B46}"/>
+                <a16:creationId xmlns:a16="http://schemas.microsoft.com/office/drawing/2014/main" id="{B6A7578A-1E94-69A3-A71F-A01671DF5E29}"/>
               </a:ext>
             </a:extLst>
           </p:cNvPr>
@@ -1987,7 +1987,7 @@
           <p:cNvPr id="5" name="灯片编号占位符 4">
             <a:extLst>
               <a:ext uri="{FF2B5EF4-FFF2-40B4-BE49-F238E27FC236}">
-                <a16:creationId xmlns:a16="http://schemas.microsoft.com/office/drawing/2014/main" id="{342EBEA5-9ED5-46D2-40DA-AA8E00564218}"/>
+                <a16:creationId xmlns:a16="http://schemas.microsoft.com/office/drawing/2014/main" id="{F012206B-536C-7A81-44DB-63FB733CDBAF}"/>
               </a:ext>
             </a:extLst>
           </p:cNvPr>
@@ -2003,7 +2003,7 @@
           <a:bodyPr/>
           <a:lstStyle/>
           <a:p>
-            <a:fld id="{1D083772-0FC7-45EB-B21B-78552C5EBA80}" type="slidenum">
+            <a:fld id="{7D140926-AB63-47BC-AD8F-034A90F25E42}" type="slidenum">
               <a:rPr lang="zh-CN" altLang="en-US" smtClean="0"/>
               <a:t>‹#›</a:t>
             </a:fld>
@@ -2014,7 +2014,7 @@
     </p:spTree>
     <p:extLst>
       <p:ext uri="{BB962C8B-B14F-4D97-AF65-F5344CB8AC3E}">
-        <p14:creationId xmlns:p14="http://schemas.microsoft.com/office/powerpoint/2010/main" val="3680948385"/>
+        <p14:creationId xmlns:p14="http://schemas.microsoft.com/office/powerpoint/2010/main" val="1366743796"/>
       </p:ext>
     </p:extLst>
   </p:cSld>
@@ -2046,7 +2046,7 @@
           <p:cNvPr id="2" name="日期占位符 1">
             <a:extLst>
               <a:ext uri="{FF2B5EF4-FFF2-40B4-BE49-F238E27FC236}">
-                <a16:creationId xmlns:a16="http://schemas.microsoft.com/office/drawing/2014/main" id="{4938A393-CC73-D0BC-052D-CACCA8B4E46D}"/>
+                <a16:creationId xmlns:a16="http://schemas.microsoft.com/office/drawing/2014/main" id="{821243F8-8A45-B012-92DA-D276CEC71087}"/>
               </a:ext>
             </a:extLst>
           </p:cNvPr>
@@ -2062,7 +2062,7 @@
           <a:bodyPr/>
           <a:lstStyle/>
           <a:p>
-            <a:fld id="{8AA53EC5-81C9-4BD0-8B04-598F28E566D7}" type="datetimeFigureOut">
+            <a:fld id="{DD9B32C3-A50E-49FF-B0C9-F8EE1E77980F}" type="datetimeFigureOut">
               <a:rPr lang="zh-CN" altLang="en-US" smtClean="0"/>
               <a:t>2024/3/10</a:t>
             </a:fld>
@@ -2075,7 +2075,7 @@
           <p:cNvPr id="3" name="页脚占位符 2">
             <a:extLst>
               <a:ext uri="{FF2B5EF4-FFF2-40B4-BE49-F238E27FC236}">
-                <a16:creationId xmlns:a16="http://schemas.microsoft.com/office/drawing/2014/main" id="{C987177C-ACF8-5830-2F46-10A1C1EDB981}"/>
+                <a16:creationId xmlns:a16="http://schemas.microsoft.com/office/drawing/2014/main" id="{DDCE67A9-B125-BC75-53D7-B3E5A5FA3D33}"/>
               </a:ext>
             </a:extLst>
           </p:cNvPr>
@@ -2100,7 +2100,7 @@
           <p:cNvPr id="4" name="灯片编号占位符 3">
             <a:extLst>
               <a:ext uri="{FF2B5EF4-FFF2-40B4-BE49-F238E27FC236}">
-                <a16:creationId xmlns:a16="http://schemas.microsoft.com/office/drawing/2014/main" id="{E41A2946-CB59-CEE6-65CD-37D1B7D6ED6D}"/>
+                <a16:creationId xmlns:a16="http://schemas.microsoft.com/office/drawing/2014/main" id="{999C510B-4435-A123-C275-8B51D4C6D22E}"/>
               </a:ext>
             </a:extLst>
           </p:cNvPr>
@@ -2116,7 +2116,7 @@
           <a:bodyPr/>
           <a:lstStyle/>
           <a:p>
-            <a:fld id="{1D083772-0FC7-45EB-B21B-78552C5EBA80}" type="slidenum">
+            <a:fld id="{7D140926-AB63-47BC-AD8F-034A90F25E42}" type="slidenum">
               <a:rPr lang="zh-CN" altLang="en-US" smtClean="0"/>
               <a:t>‹#›</a:t>
             </a:fld>
@@ -2127,7 +2127,7 @@
     </p:spTree>
     <p:extLst>
       <p:ext uri="{BB962C8B-B14F-4D97-AF65-F5344CB8AC3E}">
-        <p14:creationId xmlns:p14="http://schemas.microsoft.com/office/powerpoint/2010/main" val="177544100"/>
+        <p14:creationId xmlns:p14="http://schemas.microsoft.com/office/powerpoint/2010/main" val="51515038"/>
       </p:ext>
     </p:extLst>
   </p:cSld>
@@ -2159,7 +2159,7 @@
           <p:cNvPr id="2" name="标题 1">
             <a:extLst>
               <a:ext uri="{FF2B5EF4-FFF2-40B4-BE49-F238E27FC236}">
-                <a16:creationId xmlns:a16="http://schemas.microsoft.com/office/drawing/2014/main" id="{7A2C8F96-1FF6-F8E9-556C-E4A6C2DDB28D}"/>
+                <a16:creationId xmlns:a16="http://schemas.microsoft.com/office/drawing/2014/main" id="{2218B0C5-CAF2-EA6F-483E-8034BCC70A20}"/>
               </a:ext>
             </a:extLst>
           </p:cNvPr>
@@ -2196,7 +2196,7 @@
           <p:cNvPr id="3" name="内容占位符 2">
             <a:extLst>
               <a:ext uri="{FF2B5EF4-FFF2-40B4-BE49-F238E27FC236}">
-                <a16:creationId xmlns:a16="http://schemas.microsoft.com/office/drawing/2014/main" id="{C7473846-3590-6197-3A30-18EA0EF20562}"/>
+                <a16:creationId xmlns:a16="http://schemas.microsoft.com/office/drawing/2014/main" id="{E3450A36-E77B-6347-32C3-DF39E98EEC4A}"/>
               </a:ext>
             </a:extLst>
           </p:cNvPr>
@@ -2286,7 +2286,7 @@
           <p:cNvPr id="4" name="文本占位符 3">
             <a:extLst>
               <a:ext uri="{FF2B5EF4-FFF2-40B4-BE49-F238E27FC236}">
-                <a16:creationId xmlns:a16="http://schemas.microsoft.com/office/drawing/2014/main" id="{8C67467E-9C5C-9978-BD09-710D641E4A30}"/>
+                <a16:creationId xmlns:a16="http://schemas.microsoft.com/office/drawing/2014/main" id="{CA2FF2DF-E456-AE1B-A2E0-3D28D7E7FD8E}"/>
               </a:ext>
             </a:extLst>
           </p:cNvPr>
@@ -2357,7 +2357,7 @@
           <p:cNvPr id="5" name="日期占位符 4">
             <a:extLst>
               <a:ext uri="{FF2B5EF4-FFF2-40B4-BE49-F238E27FC236}">
-                <a16:creationId xmlns:a16="http://schemas.microsoft.com/office/drawing/2014/main" id="{E00C0513-DA73-1A87-78B7-E54AC2721FA3}"/>
+                <a16:creationId xmlns:a16="http://schemas.microsoft.com/office/drawing/2014/main" id="{96265143-E852-0530-805E-31C0FBE57FBE}"/>
               </a:ext>
             </a:extLst>
           </p:cNvPr>
@@ -2373,7 +2373,7 @@
           <a:bodyPr/>
           <a:lstStyle/>
           <a:p>
-            <a:fld id="{8AA53EC5-81C9-4BD0-8B04-598F28E566D7}" type="datetimeFigureOut">
+            <a:fld id="{DD9B32C3-A50E-49FF-B0C9-F8EE1E77980F}" type="datetimeFigureOut">
               <a:rPr lang="zh-CN" altLang="en-US" smtClean="0"/>
               <a:t>2024/3/10</a:t>
             </a:fld>
@@ -2386,7 +2386,7 @@
           <p:cNvPr id="6" name="页脚占位符 5">
             <a:extLst>
               <a:ext uri="{FF2B5EF4-FFF2-40B4-BE49-F238E27FC236}">
-                <a16:creationId xmlns:a16="http://schemas.microsoft.com/office/drawing/2014/main" id="{DB9C9724-74D9-637F-6F2F-7CAA4016D4E4}"/>
+                <a16:creationId xmlns:a16="http://schemas.microsoft.com/office/drawing/2014/main" id="{1C068797-7638-D69F-B670-CD79A2D3D8CF}"/>
               </a:ext>
             </a:extLst>
           </p:cNvPr>
@@ -2411,7 +2411,7 @@
           <p:cNvPr id="7" name="灯片编号占位符 6">
             <a:extLst>
               <a:ext uri="{FF2B5EF4-FFF2-40B4-BE49-F238E27FC236}">
-                <a16:creationId xmlns:a16="http://schemas.microsoft.com/office/drawing/2014/main" id="{4986EE60-4B54-7314-774F-8BBD63835174}"/>
+                <a16:creationId xmlns:a16="http://schemas.microsoft.com/office/drawing/2014/main" id="{1BA88F63-CA2A-31A4-1DEF-2D3CA7021BAB}"/>
               </a:ext>
             </a:extLst>
           </p:cNvPr>
@@ -2427,7 +2427,7 @@
           <a:bodyPr/>
           <a:lstStyle/>
           <a:p>
-            <a:fld id="{1D083772-0FC7-45EB-B21B-78552C5EBA80}" type="slidenum">
+            <a:fld id="{7D140926-AB63-47BC-AD8F-034A90F25E42}" type="slidenum">
               <a:rPr lang="zh-CN" altLang="en-US" smtClean="0"/>
               <a:t>‹#›</a:t>
             </a:fld>
@@ -2438,7 +2438,7 @@
     </p:spTree>
     <p:extLst>
       <p:ext uri="{BB962C8B-B14F-4D97-AF65-F5344CB8AC3E}">
-        <p14:creationId xmlns:p14="http://schemas.microsoft.com/office/powerpoint/2010/main" val="3275343570"/>
+        <p14:creationId xmlns:p14="http://schemas.microsoft.com/office/powerpoint/2010/main" val="2950512233"/>
       </p:ext>
     </p:extLst>
   </p:cSld>
@@ -2470,7 +2470,7 @@
           <p:cNvPr id="2" name="标题 1">
             <a:extLst>
               <a:ext uri="{FF2B5EF4-FFF2-40B4-BE49-F238E27FC236}">
-                <a16:creationId xmlns:a16="http://schemas.microsoft.com/office/drawing/2014/main" id="{C8DD22BC-E7A0-7F6A-7AD7-73E5B20EDCF5}"/>
+                <a16:creationId xmlns:a16="http://schemas.microsoft.com/office/drawing/2014/main" id="{D59F345B-9378-6565-FABA-BE6B850323D4}"/>
               </a:ext>
             </a:extLst>
           </p:cNvPr>
@@ -2507,7 +2507,7 @@
           <p:cNvPr id="3" name="图片占位符 2">
             <a:extLst>
               <a:ext uri="{FF2B5EF4-FFF2-40B4-BE49-F238E27FC236}">
-                <a16:creationId xmlns:a16="http://schemas.microsoft.com/office/drawing/2014/main" id="{E7D3440C-8B34-5BFF-162B-83AF48F8B8B5}"/>
+                <a16:creationId xmlns:a16="http://schemas.microsoft.com/office/drawing/2014/main" id="{CD0A0ECC-EAEF-9BAF-87B9-5094AFC8184E}"/>
               </a:ext>
             </a:extLst>
           </p:cNvPr>
@@ -2574,7 +2574,7 @@
           <p:cNvPr id="4" name="文本占位符 3">
             <a:extLst>
               <a:ext uri="{FF2B5EF4-FFF2-40B4-BE49-F238E27FC236}">
-                <a16:creationId xmlns:a16="http://schemas.microsoft.com/office/drawing/2014/main" id="{FC5EEB86-B31A-46CD-A0F0-293A8DE8A4E5}"/>
+                <a16:creationId xmlns:a16="http://schemas.microsoft.com/office/drawing/2014/main" id="{168D81E3-F34A-C5BA-318C-44A0AD2FAF23}"/>
               </a:ext>
             </a:extLst>
           </p:cNvPr>
@@ -2645,7 +2645,7 @@
           <p:cNvPr id="5" name="日期占位符 4">
             <a:extLst>
               <a:ext uri="{FF2B5EF4-FFF2-40B4-BE49-F238E27FC236}">
-                <a16:creationId xmlns:a16="http://schemas.microsoft.com/office/drawing/2014/main" id="{E1400A28-53F4-9C04-0672-87452D2809AB}"/>
+                <a16:creationId xmlns:a16="http://schemas.microsoft.com/office/drawing/2014/main" id="{652AF185-23EE-D69C-7230-93C3BBF9FD2F}"/>
               </a:ext>
             </a:extLst>
           </p:cNvPr>
@@ -2661,7 +2661,7 @@
           <a:bodyPr/>
           <a:lstStyle/>
           <a:p>
-            <a:fld id="{8AA53EC5-81C9-4BD0-8B04-598F28E566D7}" type="datetimeFigureOut">
+            <a:fld id="{DD9B32C3-A50E-49FF-B0C9-F8EE1E77980F}" type="datetimeFigureOut">
               <a:rPr lang="zh-CN" altLang="en-US" smtClean="0"/>
               <a:t>2024/3/10</a:t>
             </a:fld>
@@ -2674,7 +2674,7 @@
           <p:cNvPr id="6" name="页脚占位符 5">
             <a:extLst>
               <a:ext uri="{FF2B5EF4-FFF2-40B4-BE49-F238E27FC236}">
-                <a16:creationId xmlns:a16="http://schemas.microsoft.com/office/drawing/2014/main" id="{6EC27404-E246-4E78-B478-6D00055445CB}"/>
+                <a16:creationId xmlns:a16="http://schemas.microsoft.com/office/drawing/2014/main" id="{1DA4E1C5-343D-9791-D478-4008C5B6F0AD}"/>
               </a:ext>
             </a:extLst>
           </p:cNvPr>
@@ -2699,7 +2699,7 @@
           <p:cNvPr id="7" name="灯片编号占位符 6">
             <a:extLst>
               <a:ext uri="{FF2B5EF4-FFF2-40B4-BE49-F238E27FC236}">
-                <a16:creationId xmlns:a16="http://schemas.microsoft.com/office/drawing/2014/main" id="{AFC70239-6E18-297D-63E6-120F88FBE140}"/>
+                <a16:creationId xmlns:a16="http://schemas.microsoft.com/office/drawing/2014/main" id="{A669711D-02AE-1408-24F1-30246C38601F}"/>
               </a:ext>
             </a:extLst>
           </p:cNvPr>
@@ -2715,7 +2715,7 @@
           <a:bodyPr/>
           <a:lstStyle/>
           <a:p>
-            <a:fld id="{1D083772-0FC7-45EB-B21B-78552C5EBA80}" type="slidenum">
+            <a:fld id="{7D140926-AB63-47BC-AD8F-034A90F25E42}" type="slidenum">
               <a:rPr lang="zh-CN" altLang="en-US" smtClean="0"/>
               <a:t>‹#›</a:t>
             </a:fld>
@@ -2726,7 +2726,7 @@
     </p:spTree>
     <p:extLst>
       <p:ext uri="{BB962C8B-B14F-4D97-AF65-F5344CB8AC3E}">
-        <p14:creationId xmlns:p14="http://schemas.microsoft.com/office/powerpoint/2010/main" val="3052232087"/>
+        <p14:creationId xmlns:p14="http://schemas.microsoft.com/office/powerpoint/2010/main" val="2951267970"/>
       </p:ext>
     </p:extLst>
   </p:cSld>
@@ -2763,7 +2763,7 @@
           <p:cNvPr id="2" name="标题占位符 1">
             <a:extLst>
               <a:ext uri="{FF2B5EF4-FFF2-40B4-BE49-F238E27FC236}">
-                <a16:creationId xmlns:a16="http://schemas.microsoft.com/office/drawing/2014/main" id="{3106C9BD-27FE-0780-6BE0-2F80BEFB4B8B}"/>
+                <a16:creationId xmlns:a16="http://schemas.microsoft.com/office/drawing/2014/main" id="{973EA28B-3F36-7AF8-4B9C-FD1C97F759DA}"/>
               </a:ext>
             </a:extLst>
           </p:cNvPr>
@@ -2801,7 +2801,7 @@
           <p:cNvPr id="3" name="文本占位符 2">
             <a:extLst>
               <a:ext uri="{FF2B5EF4-FFF2-40B4-BE49-F238E27FC236}">
-                <a16:creationId xmlns:a16="http://schemas.microsoft.com/office/drawing/2014/main" id="{8FD6CDF3-A57B-97DA-6312-B00D6D960BAF}"/>
+                <a16:creationId xmlns:a16="http://schemas.microsoft.com/office/drawing/2014/main" id="{83B48E09-6F3A-F352-8DAA-FAD81E132A46}"/>
               </a:ext>
             </a:extLst>
           </p:cNvPr>
@@ -2868,7 +2868,7 @@
           <p:cNvPr id="4" name="日期占位符 3">
             <a:extLst>
               <a:ext uri="{FF2B5EF4-FFF2-40B4-BE49-F238E27FC236}">
-                <a16:creationId xmlns:a16="http://schemas.microsoft.com/office/drawing/2014/main" id="{65735CD3-E34E-0FF2-85E9-91ABF7D313D0}"/>
+                <a16:creationId xmlns:a16="http://schemas.microsoft.com/office/drawing/2014/main" id="{250494AE-77F2-934C-8723-C896CE0C836B}"/>
               </a:ext>
             </a:extLst>
           </p:cNvPr>
@@ -2902,7 +2902,7 @@
             </a:lvl1pPr>
           </a:lstStyle>
           <a:p>
-            <a:fld id="{8AA53EC5-81C9-4BD0-8B04-598F28E566D7}" type="datetimeFigureOut">
+            <a:fld id="{DD9B32C3-A50E-49FF-B0C9-F8EE1E77980F}" type="datetimeFigureOut">
               <a:rPr lang="zh-CN" altLang="en-US" smtClean="0"/>
               <a:t>2024/3/10</a:t>
             </a:fld>
@@ -2915,7 +2915,7 @@
           <p:cNvPr id="5" name="页脚占位符 4">
             <a:extLst>
               <a:ext uri="{FF2B5EF4-FFF2-40B4-BE49-F238E27FC236}">
-                <a16:creationId xmlns:a16="http://schemas.microsoft.com/office/drawing/2014/main" id="{4441EA95-6D89-7FAA-96FC-B33E9BB6F694}"/>
+                <a16:creationId xmlns:a16="http://schemas.microsoft.com/office/drawing/2014/main" id="{1925CBAD-9D9D-AC0E-653F-BE386496FC6E}"/>
               </a:ext>
             </a:extLst>
           </p:cNvPr>
@@ -2958,7 +2958,7 @@
           <p:cNvPr id="6" name="灯片编号占位符 5">
             <a:extLst>
               <a:ext uri="{FF2B5EF4-FFF2-40B4-BE49-F238E27FC236}">
-                <a16:creationId xmlns:a16="http://schemas.microsoft.com/office/drawing/2014/main" id="{84906E4E-A31D-5FFD-3B79-F0C994AC75CF}"/>
+                <a16:creationId xmlns:a16="http://schemas.microsoft.com/office/drawing/2014/main" id="{D9F5E840-9B4B-F6AA-C1D1-E58AC29470E0}"/>
               </a:ext>
             </a:extLst>
           </p:cNvPr>
@@ -2992,7 +2992,7 @@
             </a:lvl1pPr>
           </a:lstStyle>
           <a:p>
-            <a:fld id="{1D083772-0FC7-45EB-B21B-78552C5EBA80}" type="slidenum">
+            <a:fld id="{7D140926-AB63-47BC-AD8F-034A90F25E42}" type="slidenum">
               <a:rPr lang="zh-CN" altLang="en-US" smtClean="0"/>
               <a:t>‹#›</a:t>
             </a:fld>
@@ -3003,7 +3003,7 @@
     </p:spTree>
     <p:extLst>
       <p:ext uri="{BB962C8B-B14F-4D97-AF65-F5344CB8AC3E}">
-        <p14:creationId xmlns:p14="http://schemas.microsoft.com/office/powerpoint/2010/main" val="3870567638"/>
+        <p14:creationId xmlns:p14="http://schemas.microsoft.com/office/powerpoint/2010/main" val="4154482334"/>
       </p:ext>
     </p:extLst>
   </p:cSld>
